--- a/02-python-programming-1.pptx
+++ b/02-python-programming-1.pptx
@@ -237,6 +237,11 @@
       </a:defRPr>
     </a:lvl9pPr>
   </p:defaultTextStyle>
+  <p:extLst>
+    <p:ext uri="{EFAFB233-063F-42B5-8137-9DF3F51BA10A}">
+      <p15:sldGuideLst xmlns:p15="http://schemas.microsoft.com/office/powerpoint/2012/main"/>
+    </p:ext>
+  </p:extLst>
 </p:presentation>
 </file>
 
@@ -6773,9 +6778,10 @@
           <a:lstStyle/>
           <a:p>
             <a:r>
-              <a:rPr lang="en-US" dirty="0" smtClean="0"/>
-              <a:t>Anaconda</a:t>
-            </a:r>
+              <a:rPr lang="en-US" smtClean="0"/>
+              <a:t>Anaconda3</a:t>
+            </a:r>
+            <a:endParaRPr lang="en-US" dirty="0" smtClean="0"/>
           </a:p>
           <a:p>
             <a:pPr lvl="1"/>
@@ -6847,6 +6853,13 @@
   <p:clrMapOvr>
     <a:masterClrMapping/>
   </p:clrMapOvr>
+  <p:timing>
+    <p:tnLst>
+      <p:par>
+        <p:cTn id="1" dur="indefinite" restart="never" nodeType="tmRoot"/>
+      </p:par>
+    </p:tnLst>
+  </p:timing>
 </p:sld>
 </file>
 
@@ -7531,6 +7544,13 @@
   <p:clrMapOvr>
     <a:masterClrMapping/>
   </p:clrMapOvr>
+  <p:timing>
+    <p:tnLst>
+      <p:par>
+        <p:cTn id="1" dur="indefinite" restart="never" nodeType="tmRoot"/>
+      </p:par>
+    </p:tnLst>
+  </p:timing>
 </p:sld>
 </file>
 
@@ -7950,6 +7970,13 @@
   <p:clrMapOvr>
     <a:masterClrMapping/>
   </p:clrMapOvr>
+  <p:timing>
+    <p:tnLst>
+      <p:par>
+        <p:cTn id="1" dur="indefinite" restart="never" nodeType="tmRoot"/>
+      </p:par>
+    </p:tnLst>
+  </p:timing>
 </p:sld>
 </file>
 
@@ -8317,6 +8344,13 @@
   <p:clrMapOvr>
     <a:masterClrMapping/>
   </p:clrMapOvr>
+  <p:timing>
+    <p:tnLst>
+      <p:par>
+        <p:cTn id="1" dur="indefinite" restart="never" nodeType="tmRoot"/>
+      </p:par>
+    </p:tnLst>
+  </p:timing>
 </p:sld>
 </file>
 
@@ -8616,6 +8650,13 @@
   <p:clrMapOvr>
     <a:masterClrMapping/>
   </p:clrMapOvr>
+  <p:timing>
+    <p:tnLst>
+      <p:par>
+        <p:cTn id="1" dur="indefinite" restart="never" nodeType="tmRoot"/>
+      </p:par>
+    </p:tnLst>
+  </p:timing>
 </p:sld>
 </file>
 
@@ -9295,6 +9336,13 @@
   <p:clrMapOvr>
     <a:masterClrMapping/>
   </p:clrMapOvr>
+  <p:timing>
+    <p:tnLst>
+      <p:par>
+        <p:cTn id="1" dur="indefinite" restart="never" nodeType="tmRoot"/>
+      </p:par>
+    </p:tnLst>
+  </p:timing>
 </p:sld>
 </file>
 
@@ -10079,6 +10127,13 @@
   <p:clrMapOvr>
     <a:masterClrMapping/>
   </p:clrMapOvr>
+  <p:timing>
+    <p:tnLst>
+      <p:par>
+        <p:cTn id="1" dur="indefinite" restart="never" nodeType="tmRoot"/>
+      </p:par>
+    </p:tnLst>
+  </p:timing>
 </p:sld>
 </file>
 
@@ -10332,6 +10387,13 @@
   <p:clrMapOvr>
     <a:masterClrMapping/>
   </p:clrMapOvr>
+  <p:timing>
+    <p:tnLst>
+      <p:par>
+        <p:cTn id="1" dur="indefinite" restart="never" nodeType="tmRoot"/>
+      </p:par>
+    </p:tnLst>
+  </p:timing>
 </p:sld>
 </file>
 
@@ -10773,6 +10835,13 @@
   <p:clrMapOvr>
     <a:masterClrMapping/>
   </p:clrMapOvr>
+  <p:timing>
+    <p:tnLst>
+      <p:par>
+        <p:cTn id="1" dur="indefinite" restart="never" nodeType="tmRoot"/>
+      </p:par>
+    </p:tnLst>
+  </p:timing>
 </p:sld>
 </file>
 
@@ -10933,6 +11002,13 @@
   <p:clrMapOvr>
     <a:masterClrMapping/>
   </p:clrMapOvr>
+  <p:timing>
+    <p:tnLst>
+      <p:par>
+        <p:cTn id="1" dur="indefinite" restart="never" nodeType="tmRoot"/>
+      </p:par>
+    </p:tnLst>
+  </p:timing>
 </p:sld>
 </file>
 
@@ -11586,6 +11662,13 @@
   <p:clrMapOvr>
     <a:masterClrMapping/>
   </p:clrMapOvr>
+  <p:timing>
+    <p:tnLst>
+      <p:par>
+        <p:cTn id="1" dur="indefinite" restart="never" nodeType="tmRoot"/>
+      </p:par>
+    </p:tnLst>
+  </p:timing>
 </p:sld>
 </file>
 
@@ -11856,6 +11939,13 @@
   <p:clrMapOvr>
     <a:masterClrMapping/>
   </p:clrMapOvr>
+  <p:timing>
+    <p:tnLst>
+      <p:par>
+        <p:cTn id="1" dur="indefinite" restart="never" nodeType="tmRoot"/>
+      </p:par>
+    </p:tnLst>
+  </p:timing>
 </p:sld>
 </file>
 
@@ -12080,6 +12170,13 @@
   <p:clrMapOvr>
     <a:masterClrMapping/>
   </p:clrMapOvr>
+  <p:timing>
+    <p:tnLst>
+      <p:par>
+        <p:cTn id="1" dur="indefinite" restart="never" nodeType="tmRoot"/>
+      </p:par>
+    </p:tnLst>
+  </p:timing>
 </p:sld>
 </file>
 
@@ -12359,6 +12456,13 @@
   <p:clrMapOvr>
     <a:masterClrMapping/>
   </p:clrMapOvr>
+  <p:timing>
+    <p:tnLst>
+      <p:par>
+        <p:cTn id="1" dur="indefinite" restart="never" nodeType="tmRoot"/>
+      </p:par>
+    </p:tnLst>
+  </p:timing>
 </p:sld>
 </file>
 
@@ -12564,6 +12668,13 @@
   <p:clrMapOvr>
     <a:masterClrMapping/>
   </p:clrMapOvr>
+  <p:timing>
+    <p:tnLst>
+      <p:par>
+        <p:cTn id="1" dur="indefinite" restart="never" nodeType="tmRoot"/>
+      </p:par>
+    </p:tnLst>
+  </p:timing>
 </p:sld>
 </file>
 
@@ -12891,6 +13002,13 @@
   <p:clrMapOvr>
     <a:masterClrMapping/>
   </p:clrMapOvr>
+  <p:timing>
+    <p:tnLst>
+      <p:par>
+        <p:cTn id="1" dur="indefinite" restart="never" nodeType="tmRoot"/>
+      </p:par>
+    </p:tnLst>
+  </p:timing>
 </p:sld>
 </file>
 
@@ -13076,6 +13194,13 @@
   <p:clrMapOvr>
     <a:masterClrMapping/>
   </p:clrMapOvr>
+  <p:timing>
+    <p:tnLst>
+      <p:par>
+        <p:cTn id="1" dur="indefinite" restart="never" nodeType="tmRoot"/>
+      </p:par>
+    </p:tnLst>
+  </p:timing>
 </p:sld>
 </file>
 
@@ -13615,6 +13740,13 @@
   <p:clrMapOvr>
     <a:masterClrMapping/>
   </p:clrMapOvr>
+  <p:timing>
+    <p:tnLst>
+      <p:par>
+        <p:cTn id="1" dur="indefinite" restart="never" nodeType="tmRoot"/>
+      </p:par>
+    </p:tnLst>
+  </p:timing>
 </p:sld>
 </file>
 
@@ -13870,6 +14002,13 @@
   <p:clrMapOvr>
     <a:masterClrMapping/>
   </p:clrMapOvr>
+  <p:timing>
+    <p:tnLst>
+      <p:par>
+        <p:cTn id="1" dur="indefinite" restart="never" nodeType="tmRoot"/>
+      </p:par>
+    </p:tnLst>
+  </p:timing>
 </p:sld>
 </file>
 
@@ -14171,6 +14310,13 @@
   <p:clrMapOvr>
     <a:masterClrMapping/>
   </p:clrMapOvr>
+  <p:timing>
+    <p:tnLst>
+      <p:par>
+        <p:cTn id="1" dur="indefinite" restart="never" nodeType="tmRoot"/>
+      </p:par>
+    </p:tnLst>
+  </p:timing>
 </p:sld>
 </file>
 
@@ -14774,6 +14920,13 @@
   <p:clrMapOvr>
     <a:masterClrMapping/>
   </p:clrMapOvr>
+  <p:timing>
+    <p:tnLst>
+      <p:par>
+        <p:cTn id="1" dur="indefinite" restart="never" nodeType="tmRoot"/>
+      </p:par>
+    </p:tnLst>
+  </p:timing>
 </p:sld>
 </file>
 
@@ -15095,6 +15248,13 @@
   <p:clrMapOvr>
     <a:masterClrMapping/>
   </p:clrMapOvr>
+  <p:timing>
+    <p:tnLst>
+      <p:par>
+        <p:cTn id="1" dur="indefinite" restart="never" nodeType="tmRoot"/>
+      </p:par>
+    </p:tnLst>
+  </p:timing>
 </p:sld>
 </file>
 
@@ -15728,6 +15888,13 @@
   <p:clrMapOvr>
     <a:masterClrMapping/>
   </p:clrMapOvr>
+  <p:timing>
+    <p:tnLst>
+      <p:par>
+        <p:cTn id="1" dur="indefinite" restart="never" nodeType="tmRoot"/>
+      </p:par>
+    </p:tnLst>
+  </p:timing>
 </p:sld>
 </file>
 
@@ -16065,6 +16232,13 @@
   <p:clrMapOvr>
     <a:masterClrMapping/>
   </p:clrMapOvr>
+  <p:timing>
+    <p:tnLst>
+      <p:par>
+        <p:cTn id="1" dur="indefinite" restart="never" nodeType="tmRoot"/>
+      </p:par>
+    </p:tnLst>
+  </p:timing>
 </p:sld>
 </file>
 
